--- a/project03 화면설계서/0228 발표용 project03 - 화면 설계서 - 기범.pptx
+++ b/project03 화면설계서/0228 발표용 project03 - 화면 설계서 - 기범.pptx
@@ -237,7 +237,7 @@
           <a:p>
             <a:fld id="{EFE7F2A0-C7D9-4DBD-AE3B-C1A712DCE501}" type="datetimeFigureOut">
               <a:rPr lang="ko-KR" altLang="en-US" smtClean="0"/>
-              <a:t>2020-02-26</a:t>
+              <a:t>2020-02-27</a:t>
             </a:fld>
             <a:endParaRPr lang="ko-KR" altLang="en-US"/>
           </a:p>
@@ -2304,7 +2304,7 @@
           <a:p>
             <a:fld id="{272C3D53-FEDF-49EC-8F65-FFFC138B637E}" type="datetimeFigureOut">
               <a:rPr lang="ko-KR" altLang="en-US" smtClean="0"/>
-              <a:t>2020-02-26</a:t>
+              <a:t>2020-02-27</a:t>
             </a:fld>
             <a:endParaRPr lang="ko-KR" altLang="en-US"/>
           </a:p>
@@ -2474,7 +2474,7 @@
           <a:p>
             <a:fld id="{272C3D53-FEDF-49EC-8F65-FFFC138B637E}" type="datetimeFigureOut">
               <a:rPr lang="ko-KR" altLang="en-US" smtClean="0"/>
-              <a:t>2020-02-26</a:t>
+              <a:t>2020-02-27</a:t>
             </a:fld>
             <a:endParaRPr lang="ko-KR" altLang="en-US"/>
           </a:p>
@@ -2654,7 +2654,7 @@
           <a:p>
             <a:fld id="{272C3D53-FEDF-49EC-8F65-FFFC138B637E}" type="datetimeFigureOut">
               <a:rPr lang="ko-KR" altLang="en-US" smtClean="0"/>
-              <a:t>2020-02-26</a:t>
+              <a:t>2020-02-27</a:t>
             </a:fld>
             <a:endParaRPr lang="ko-KR" altLang="en-US"/>
           </a:p>
@@ -2824,7 +2824,7 @@
           <a:p>
             <a:fld id="{272C3D53-FEDF-49EC-8F65-FFFC138B637E}" type="datetimeFigureOut">
               <a:rPr lang="ko-KR" altLang="en-US" smtClean="0"/>
-              <a:t>2020-02-26</a:t>
+              <a:t>2020-02-27</a:t>
             </a:fld>
             <a:endParaRPr lang="ko-KR" altLang="en-US"/>
           </a:p>
@@ -3070,7 +3070,7 @@
           <a:p>
             <a:fld id="{272C3D53-FEDF-49EC-8F65-FFFC138B637E}" type="datetimeFigureOut">
               <a:rPr lang="ko-KR" altLang="en-US" smtClean="0"/>
-              <a:t>2020-02-26</a:t>
+              <a:t>2020-02-27</a:t>
             </a:fld>
             <a:endParaRPr lang="ko-KR" altLang="en-US"/>
           </a:p>
@@ -3302,7 +3302,7 @@
           <a:p>
             <a:fld id="{272C3D53-FEDF-49EC-8F65-FFFC138B637E}" type="datetimeFigureOut">
               <a:rPr lang="ko-KR" altLang="en-US" smtClean="0"/>
-              <a:t>2020-02-26</a:t>
+              <a:t>2020-02-27</a:t>
             </a:fld>
             <a:endParaRPr lang="ko-KR" altLang="en-US"/>
           </a:p>
@@ -3669,7 +3669,7 @@
           <a:p>
             <a:fld id="{272C3D53-FEDF-49EC-8F65-FFFC138B637E}" type="datetimeFigureOut">
               <a:rPr lang="ko-KR" altLang="en-US" smtClean="0"/>
-              <a:t>2020-02-26</a:t>
+              <a:t>2020-02-27</a:t>
             </a:fld>
             <a:endParaRPr lang="ko-KR" altLang="en-US"/>
           </a:p>
@@ -3787,7 +3787,7 @@
           <a:p>
             <a:fld id="{272C3D53-FEDF-49EC-8F65-FFFC138B637E}" type="datetimeFigureOut">
               <a:rPr lang="ko-KR" altLang="en-US" smtClean="0"/>
-              <a:t>2020-02-26</a:t>
+              <a:t>2020-02-27</a:t>
             </a:fld>
             <a:endParaRPr lang="ko-KR" altLang="en-US"/>
           </a:p>
@@ -3882,7 +3882,7 @@
           <a:p>
             <a:fld id="{272C3D53-FEDF-49EC-8F65-FFFC138B637E}" type="datetimeFigureOut">
               <a:rPr lang="ko-KR" altLang="en-US" smtClean="0"/>
-              <a:t>2020-02-26</a:t>
+              <a:t>2020-02-27</a:t>
             </a:fld>
             <a:endParaRPr lang="ko-KR" altLang="en-US"/>
           </a:p>
@@ -4159,7 +4159,7 @@
           <a:p>
             <a:fld id="{272C3D53-FEDF-49EC-8F65-FFFC138B637E}" type="datetimeFigureOut">
               <a:rPr lang="ko-KR" altLang="en-US" smtClean="0"/>
-              <a:t>2020-02-26</a:t>
+              <a:t>2020-02-27</a:t>
             </a:fld>
             <a:endParaRPr lang="ko-KR" altLang="en-US"/>
           </a:p>
@@ -4412,7 +4412,7 @@
           <a:p>
             <a:fld id="{272C3D53-FEDF-49EC-8F65-FFFC138B637E}" type="datetimeFigureOut">
               <a:rPr lang="ko-KR" altLang="en-US" smtClean="0"/>
-              <a:t>2020-02-26</a:t>
+              <a:t>2020-02-27</a:t>
             </a:fld>
             <a:endParaRPr lang="ko-KR" altLang="en-US"/>
           </a:p>
@@ -4625,7 +4625,7 @@
           <a:p>
             <a:fld id="{272C3D53-FEDF-49EC-8F65-FFFC138B637E}" type="datetimeFigureOut">
               <a:rPr lang="ko-KR" altLang="en-US" smtClean="0"/>
-              <a:t>2020-02-26</a:t>
+              <a:t>2020-02-27</a:t>
             </a:fld>
             <a:endParaRPr lang="ko-KR" altLang="en-US"/>
           </a:p>
@@ -5146,7 +5146,7 @@
       </p:grpSpPr>
       <p:pic>
         <p:nvPicPr>
-          <p:cNvPr id="4" name="그림 3"/>
+          <p:cNvPr id="2" name="그림 1"/>
           <p:cNvPicPr>
             <a:picLocks noChangeAspect="1"/>
           </p:cNvPicPr>
@@ -5154,30 +5154,6 @@
         </p:nvPicPr>
         <p:blipFill>
           <a:blip r:embed="rId2"/>
-          <a:stretch>
-            <a:fillRect/>
-          </a:stretch>
-        </p:blipFill>
-        <p:spPr>
-          <a:xfrm>
-            <a:off x="804863" y="300037"/>
-            <a:ext cx="8045864" cy="4757995"/>
-          </a:xfrm>
-          <a:prstGeom prst="rect">
-            <a:avLst/>
-          </a:prstGeom>
-        </p:spPr>
-      </p:pic>
-      <p:pic>
-        <p:nvPicPr>
-          <p:cNvPr id="2" name="그림 1"/>
-          <p:cNvPicPr>
-            <a:picLocks noChangeAspect="1"/>
-          </p:cNvPicPr>
-          <p:nvPr/>
-        </p:nvPicPr>
-        <p:blipFill>
-          <a:blip r:embed="rId3"/>
           <a:stretch>
             <a:fillRect/>
           </a:stretch>
@@ -5192,6 +5168,140 @@
           </a:prstGeom>
         </p:spPr>
       </p:pic>
+      <p:pic>
+        <p:nvPicPr>
+          <p:cNvPr id="3" name="그림 2"/>
+          <p:cNvPicPr>
+            <a:picLocks noChangeAspect="1"/>
+          </p:cNvPicPr>
+          <p:nvPr/>
+        </p:nvPicPr>
+        <p:blipFill>
+          <a:blip r:embed="rId3"/>
+          <a:stretch>
+            <a:fillRect/>
+          </a:stretch>
+        </p:blipFill>
+        <p:spPr>
+          <a:xfrm>
+            <a:off x="895730" y="5191382"/>
+            <a:ext cx="4728456" cy="638175"/>
+          </a:xfrm>
+          <a:prstGeom prst="rect">
+            <a:avLst/>
+          </a:prstGeom>
+        </p:spPr>
+      </p:pic>
+      <p:pic>
+        <p:nvPicPr>
+          <p:cNvPr id="6" name="그림 5"/>
+          <p:cNvPicPr>
+            <a:picLocks noChangeAspect="1"/>
+          </p:cNvPicPr>
+          <p:nvPr/>
+        </p:nvPicPr>
+        <p:blipFill>
+          <a:blip r:embed="rId4"/>
+          <a:stretch>
+            <a:fillRect/>
+          </a:stretch>
+        </p:blipFill>
+        <p:spPr>
+          <a:xfrm>
+            <a:off x="895730" y="5793274"/>
+            <a:ext cx="5398732" cy="865511"/>
+          </a:xfrm>
+          <a:prstGeom prst="rect">
+            <a:avLst/>
+          </a:prstGeom>
+        </p:spPr>
+      </p:pic>
+      <p:pic>
+        <p:nvPicPr>
+          <p:cNvPr id="8" name="그림 7"/>
+          <p:cNvPicPr>
+            <a:picLocks noChangeAspect="1"/>
+          </p:cNvPicPr>
+          <p:nvPr/>
+        </p:nvPicPr>
+        <p:blipFill>
+          <a:blip r:embed="rId5"/>
+          <a:stretch>
+            <a:fillRect/>
+          </a:stretch>
+        </p:blipFill>
+        <p:spPr>
+          <a:xfrm>
+            <a:off x="5852447" y="5228656"/>
+            <a:ext cx="6339553" cy="764740"/>
+          </a:xfrm>
+          <a:prstGeom prst="rect">
+            <a:avLst/>
+          </a:prstGeom>
+        </p:spPr>
+      </p:pic>
+      <p:pic>
+        <p:nvPicPr>
+          <p:cNvPr id="9" name="그림 8"/>
+          <p:cNvPicPr>
+            <a:picLocks noChangeAspect="1"/>
+          </p:cNvPicPr>
+          <p:nvPr/>
+        </p:nvPicPr>
+        <p:blipFill>
+          <a:blip r:embed="rId6"/>
+          <a:stretch>
+            <a:fillRect/>
+          </a:stretch>
+        </p:blipFill>
+        <p:spPr>
+          <a:xfrm>
+            <a:off x="1689516" y="593368"/>
+            <a:ext cx="6958598" cy="4171332"/>
+          </a:xfrm>
+          <a:prstGeom prst="rect">
+            <a:avLst/>
+          </a:prstGeom>
+        </p:spPr>
+      </p:pic>
+      <p:cxnSp>
+        <p:nvCxnSpPr>
+          <p:cNvPr id="7" name="직선 화살표 연결선 6"/>
+          <p:cNvCxnSpPr>
+            <a:endCxn id="2" idx="1"/>
+          </p:cNvCxnSpPr>
+          <p:nvPr/>
+        </p:nvCxnSpPr>
+        <p:spPr>
+          <a:xfrm flipV="1">
+            <a:off x="7382312" y="2679034"/>
+            <a:ext cx="2028768" cy="232117"/>
+          </a:xfrm>
+          <a:prstGeom prst="straightConnector1">
+            <a:avLst/>
+          </a:prstGeom>
+          <a:ln w="25400">
+            <a:solidFill>
+              <a:srgbClr val="FF0000"/>
+            </a:solidFill>
+            <a:tailEnd type="triangle"/>
+          </a:ln>
+        </p:spPr>
+        <p:style>
+          <a:lnRef idx="1">
+            <a:schemeClr val="accent1"/>
+          </a:lnRef>
+          <a:fillRef idx="0">
+            <a:schemeClr val="accent1"/>
+          </a:fillRef>
+          <a:effectRef idx="0">
+            <a:schemeClr val="accent1"/>
+          </a:effectRef>
+          <a:fontRef idx="minor">
+            <a:schemeClr val="tx1"/>
+          </a:fontRef>
+        </p:style>
+      </p:cxnSp>
       <p:cxnSp>
         <p:nvCxnSpPr>
           <p:cNvPr id="5" name="직선 화살표 연결선 4"/>
@@ -5230,116 +5340,6 @@
           </a:fontRef>
         </p:style>
       </p:cxnSp>
-      <p:cxnSp>
-        <p:nvCxnSpPr>
-          <p:cNvPr id="7" name="직선 화살표 연결선 6"/>
-          <p:cNvCxnSpPr>
-            <a:endCxn id="2" idx="1"/>
-          </p:cNvCxnSpPr>
-          <p:nvPr/>
-        </p:nvCxnSpPr>
-        <p:spPr>
-          <a:xfrm flipV="1">
-            <a:off x="7382312" y="2679034"/>
-            <a:ext cx="2028768" cy="232117"/>
-          </a:xfrm>
-          <a:prstGeom prst="straightConnector1">
-            <a:avLst/>
-          </a:prstGeom>
-          <a:ln w="25400">
-            <a:solidFill>
-              <a:srgbClr val="FF0000"/>
-            </a:solidFill>
-            <a:tailEnd type="triangle"/>
-          </a:ln>
-        </p:spPr>
-        <p:style>
-          <a:lnRef idx="1">
-            <a:schemeClr val="accent1"/>
-          </a:lnRef>
-          <a:fillRef idx="0">
-            <a:schemeClr val="accent1"/>
-          </a:fillRef>
-          <a:effectRef idx="0">
-            <a:schemeClr val="accent1"/>
-          </a:effectRef>
-          <a:fontRef idx="minor">
-            <a:schemeClr val="tx1"/>
-          </a:fontRef>
-        </p:style>
-      </p:cxnSp>
-      <p:pic>
-        <p:nvPicPr>
-          <p:cNvPr id="3" name="그림 2"/>
-          <p:cNvPicPr>
-            <a:picLocks noChangeAspect="1"/>
-          </p:cNvPicPr>
-          <p:nvPr/>
-        </p:nvPicPr>
-        <p:blipFill>
-          <a:blip r:embed="rId4"/>
-          <a:stretch>
-            <a:fillRect/>
-          </a:stretch>
-        </p:blipFill>
-        <p:spPr>
-          <a:xfrm>
-            <a:off x="895730" y="5191382"/>
-            <a:ext cx="4728456" cy="638175"/>
-          </a:xfrm>
-          <a:prstGeom prst="rect">
-            <a:avLst/>
-          </a:prstGeom>
-        </p:spPr>
-      </p:pic>
-      <p:pic>
-        <p:nvPicPr>
-          <p:cNvPr id="6" name="그림 5"/>
-          <p:cNvPicPr>
-            <a:picLocks noChangeAspect="1"/>
-          </p:cNvPicPr>
-          <p:nvPr/>
-        </p:nvPicPr>
-        <p:blipFill>
-          <a:blip r:embed="rId5"/>
-          <a:stretch>
-            <a:fillRect/>
-          </a:stretch>
-        </p:blipFill>
-        <p:spPr>
-          <a:xfrm>
-            <a:off x="895730" y="5793274"/>
-            <a:ext cx="5398732" cy="865511"/>
-          </a:xfrm>
-          <a:prstGeom prst="rect">
-            <a:avLst/>
-          </a:prstGeom>
-        </p:spPr>
-      </p:pic>
-      <p:pic>
-        <p:nvPicPr>
-          <p:cNvPr id="8" name="그림 7"/>
-          <p:cNvPicPr>
-            <a:picLocks noChangeAspect="1"/>
-          </p:cNvPicPr>
-          <p:nvPr/>
-        </p:nvPicPr>
-        <p:blipFill>
-          <a:blip r:embed="rId6"/>
-          <a:stretch>
-            <a:fillRect/>
-          </a:stretch>
-        </p:blipFill>
-        <p:spPr>
-          <a:xfrm>
-            <a:off x="5852447" y="5228656"/>
-            <a:ext cx="6339553" cy="764740"/>
-          </a:xfrm>
-          <a:prstGeom prst="rect">
-            <a:avLst/>
-          </a:prstGeom>
-        </p:spPr>
-      </p:pic>
     </p:spTree>
     <p:extLst>
       <p:ext uri="{BB962C8B-B14F-4D97-AF65-F5344CB8AC3E}">
